--- a/ProjectSlides.pptx
+++ b/ProjectSlides.pptx
@@ -8613,7 +8613,6 @@
       <p:sp>
         <p:nvSpPr>
           <p:cNvPr id="7" name="圆角矩形 6">
-            <a:hlinkClick r:id="rId4"/>
             <a:extLst>
               <a:ext uri="{FF2B5EF4-FFF2-40B4-BE49-F238E27FC236}">
                 <a16:creationId xmlns:a16="http://schemas.microsoft.com/office/drawing/2014/main" id="{7367A69C-7023-0559-A6E5-FD3703E59B7C}"/>
@@ -8691,7 +8690,7 @@
           <p:nvPr/>
         </p:nvPicPr>
         <p:blipFill>
-          <a:blip r:embed="rId5"/>
+          <a:blip r:embed="rId4"/>
           <a:stretch>
             <a:fillRect/>
           </a:stretch>
@@ -8726,7 +8725,7 @@
           <p:nvPr/>
         </p:nvPicPr>
         <p:blipFill>
-          <a:blip r:embed="rId6"/>
+          <a:blip r:embed="rId5"/>
           <a:stretch>
             <a:fillRect/>
           </a:stretch>
@@ -8756,7 +8755,7 @@
           <p:nvPr/>
         </p:nvPicPr>
         <p:blipFill>
-          <a:blip r:embed="rId7"/>
+          <a:blip r:embed="rId6"/>
           <a:stretch>
             <a:fillRect/>
           </a:stretch>
@@ -8786,7 +8785,7 @@
           <p:nvPr/>
         </p:nvPicPr>
         <p:blipFill>
-          <a:blip r:embed="rId8"/>
+          <a:blip r:embed="rId7"/>
           <a:stretch>
             <a:fillRect/>
           </a:stretch>
@@ -8816,7 +8815,7 @@
           <p:nvPr/>
         </p:nvPicPr>
         <p:blipFill>
-          <a:blip r:embed="rId9"/>
+          <a:blip r:embed="rId8"/>
           <a:stretch>
             <a:fillRect/>
           </a:stretch>
